--- a/이하은 프로젝트 와이어프레임.pptx
+++ b/이하은 프로젝트 와이어프레임.pptx
@@ -9961,30 +9961,6 @@
           <a:p>
             <a:pPr algn="ctr"/>
             <a:endParaRPr lang="en-US" altLang="ko-KR"/>
-          </a:p>
-          <a:p>
-            <a:pPr algn="ctr"/>
-            <a:endParaRPr lang="en-US" altLang="ko-KR"/>
-          </a:p>
-          <a:p>
-            <a:pPr algn="ctr"/>
-            <a:endParaRPr lang="en-US" altLang="ko-KR"/>
-          </a:p>
-          <a:p>
-            <a:pPr algn="ctr"/>
-            <a:r>
-              <a:rPr lang="ko-KR" altLang="en-US"/>
-              <a:t>쿠폰과 포인트를 확인하세요</a:t>
-            </a:r>
-            <a:endParaRPr lang="en-US" altLang="ko-KR"/>
-          </a:p>
-          <a:p>
-            <a:pPr algn="ctr"/>
-            <a:endParaRPr lang="en-US" altLang="ko-KR"/>
-          </a:p>
-          <a:p>
-            <a:pPr algn="ctr"/>
-            <a:endParaRPr lang="ko-KR" altLang="en-US"/>
           </a:p>
         </p:txBody>
       </p:sp>

--- a/이하은 프로젝트 와이어프레임.pptx
+++ b/이하은 프로젝트 와이어프레임.pptx
@@ -208,7 +208,7 @@
           <a:p>
             <a:fld id="{83A867CF-9C06-48A2-9550-C3C346523B87}" type="datetimeFigureOut">
               <a:rPr lang="ko-KR" altLang="en-US" smtClean="0"/>
-              <a:t>2023-04-09</a:t>
+              <a:t>2023-04-10</a:t>
             </a:fld>
             <a:endParaRPr lang="ko-KR" altLang="en-US"/>
           </a:p>
@@ -1860,7 +1860,7 @@
           <a:p>
             <a:fld id="{5465F0F4-5E0D-4B28-85CE-3986AC8BE082}" type="datetimeFigureOut">
               <a:rPr lang="ko-KR" altLang="en-US" smtClean="0"/>
-              <a:t>2023-04-09</a:t>
+              <a:t>2023-04-10</a:t>
             </a:fld>
             <a:endParaRPr lang="ko-KR" altLang="en-US"/>
           </a:p>
@@ -2028,7 +2028,7 @@
           <a:p>
             <a:fld id="{5465F0F4-5E0D-4B28-85CE-3986AC8BE082}" type="datetimeFigureOut">
               <a:rPr lang="ko-KR" altLang="en-US" smtClean="0"/>
-              <a:t>2023-04-09</a:t>
+              <a:t>2023-04-10</a:t>
             </a:fld>
             <a:endParaRPr lang="ko-KR" altLang="en-US"/>
           </a:p>
@@ -2206,7 +2206,7 @@
           <a:p>
             <a:fld id="{5465F0F4-5E0D-4B28-85CE-3986AC8BE082}" type="datetimeFigureOut">
               <a:rPr lang="ko-KR" altLang="en-US" smtClean="0"/>
-              <a:t>2023-04-09</a:t>
+              <a:t>2023-04-10</a:t>
             </a:fld>
             <a:endParaRPr lang="ko-KR" altLang="en-US"/>
           </a:p>
@@ -2374,7 +2374,7 @@
           <a:p>
             <a:fld id="{5465F0F4-5E0D-4B28-85CE-3986AC8BE082}" type="datetimeFigureOut">
               <a:rPr lang="ko-KR" altLang="en-US" smtClean="0"/>
-              <a:t>2023-04-09</a:t>
+              <a:t>2023-04-10</a:t>
             </a:fld>
             <a:endParaRPr lang="ko-KR" altLang="en-US"/>
           </a:p>
@@ -2619,7 +2619,7 @@
           <a:p>
             <a:fld id="{5465F0F4-5E0D-4B28-85CE-3986AC8BE082}" type="datetimeFigureOut">
               <a:rPr lang="ko-KR" altLang="en-US" smtClean="0"/>
-              <a:t>2023-04-09</a:t>
+              <a:t>2023-04-10</a:t>
             </a:fld>
             <a:endParaRPr lang="ko-KR" altLang="en-US"/>
           </a:p>
@@ -2848,7 +2848,7 @@
           <a:p>
             <a:fld id="{5465F0F4-5E0D-4B28-85CE-3986AC8BE082}" type="datetimeFigureOut">
               <a:rPr lang="ko-KR" altLang="en-US" smtClean="0"/>
-              <a:t>2023-04-09</a:t>
+              <a:t>2023-04-10</a:t>
             </a:fld>
             <a:endParaRPr lang="ko-KR" altLang="en-US"/>
           </a:p>
@@ -3212,7 +3212,7 @@
           <a:p>
             <a:fld id="{5465F0F4-5E0D-4B28-85CE-3986AC8BE082}" type="datetimeFigureOut">
               <a:rPr lang="ko-KR" altLang="en-US" smtClean="0"/>
-              <a:t>2023-04-09</a:t>
+              <a:t>2023-04-10</a:t>
             </a:fld>
             <a:endParaRPr lang="ko-KR" altLang="en-US"/>
           </a:p>
@@ -3329,7 +3329,7 @@
           <a:p>
             <a:fld id="{5465F0F4-5E0D-4B28-85CE-3986AC8BE082}" type="datetimeFigureOut">
               <a:rPr lang="ko-KR" altLang="en-US" smtClean="0"/>
-              <a:t>2023-04-09</a:t>
+              <a:t>2023-04-10</a:t>
             </a:fld>
             <a:endParaRPr lang="ko-KR" altLang="en-US"/>
           </a:p>
@@ -3424,7 +3424,7 @@
           <a:p>
             <a:fld id="{5465F0F4-5E0D-4B28-85CE-3986AC8BE082}" type="datetimeFigureOut">
               <a:rPr lang="ko-KR" altLang="en-US" smtClean="0"/>
-              <a:t>2023-04-09</a:t>
+              <a:t>2023-04-10</a:t>
             </a:fld>
             <a:endParaRPr lang="ko-KR" altLang="en-US"/>
           </a:p>
@@ -3699,7 +3699,7 @@
           <a:p>
             <a:fld id="{5465F0F4-5E0D-4B28-85CE-3986AC8BE082}" type="datetimeFigureOut">
               <a:rPr lang="ko-KR" altLang="en-US" smtClean="0"/>
-              <a:t>2023-04-09</a:t>
+              <a:t>2023-04-10</a:t>
             </a:fld>
             <a:endParaRPr lang="ko-KR" altLang="en-US"/>
           </a:p>
@@ -3951,7 +3951,7 @@
           <a:p>
             <a:fld id="{5465F0F4-5E0D-4B28-85CE-3986AC8BE082}" type="datetimeFigureOut">
               <a:rPr lang="ko-KR" altLang="en-US" smtClean="0"/>
-              <a:t>2023-04-09</a:t>
+              <a:t>2023-04-10</a:t>
             </a:fld>
             <a:endParaRPr lang="ko-KR" altLang="en-US"/>
           </a:p>
@@ -4162,7 +4162,7 @@
           <a:p>
             <a:fld id="{5465F0F4-5E0D-4B28-85CE-3986AC8BE082}" type="datetimeFigureOut">
               <a:rPr lang="ko-KR" altLang="en-US" smtClean="0"/>
-              <a:t>2023-04-09</a:t>
+              <a:t>2023-04-10</a:t>
             </a:fld>
             <a:endParaRPr lang="ko-KR" altLang="en-US"/>
           </a:p>
